--- a/로슈 홈페이지 리뉴얼 제안서.pptx
+++ b/로슈 홈페이지 리뉴얼 제안서.pptx
@@ -10,6 +10,7 @@
     <p:sldId id="258" r:id="rId4"/>
     <p:sldId id="259" r:id="rId5"/>
     <p:sldId id="260" r:id="rId6"/>
+    <p:sldId id="261" r:id="rId7"/>
   </p:sldIdLst>
   <p:sldSz cx="12192000" cy="6858000"/>
   <p:notesSz cx="6858000" cy="9144000"/>
@@ -4768,18 +4769,404 @@
       </p:cxnSp>
       <p:sp>
         <p:nvSpPr>
-          <p:cNvPr id="5" name="직사각형 4"/>
+          <p:cNvPr id="3" name="타원 2"/>
           <p:cNvSpPr/>
           <p:nvPr/>
         </p:nvSpPr>
         <p:spPr>
           <a:xfrm>
-            <a:off x="3305674" y="2031646"/>
-            <a:ext cx="5028701" cy="1754326"/>
+            <a:off x="6135437" y="656116"/>
+            <a:ext cx="2381864" cy="2381864"/>
+          </a:xfrm>
+          <a:prstGeom prst="ellipse">
+            <a:avLst/>
+          </a:prstGeom>
+          <a:noFill/>
+          <a:ln w="57150">
+            <a:solidFill>
+              <a:schemeClr val="accent5"/>
+            </a:solidFill>
+          </a:ln>
+        </p:spPr>
+        <p:style>
+          <a:lnRef idx="2">
+            <a:schemeClr val="accent1">
+              <a:shade val="50000"/>
+            </a:schemeClr>
+          </a:lnRef>
+          <a:fillRef idx="1">
+            <a:schemeClr val="accent1"/>
+          </a:fillRef>
+          <a:effectRef idx="0">
+            <a:schemeClr val="accent1"/>
+          </a:effectRef>
+          <a:fontRef idx="minor">
+            <a:schemeClr val="lt1"/>
+          </a:fontRef>
+        </p:style>
+        <p:txBody>
+          <a:bodyPr rtlCol="0" anchor="ctr"/>
+          <a:lstStyle/>
+          <a:p>
+            <a:pPr algn="ctr">
+              <a:lnSpc>
+                <a:spcPct val="150000"/>
+              </a:lnSpc>
+            </a:pPr>
+            <a:r>
+              <a:rPr lang="en-US" altLang="ko-KR" dirty="0" smtClean="0">
+                <a:solidFill>
+                  <a:schemeClr val="tx1"/>
+                </a:solidFill>
+              </a:rPr>
+              <a:t>Courage</a:t>
+            </a:r>
+          </a:p>
+          <a:p>
+            <a:pPr algn="ctr">
+              <a:lnSpc>
+                <a:spcPct val="150000"/>
+              </a:lnSpc>
+            </a:pPr>
+            <a:r>
+              <a:rPr lang="ko-KR" altLang="en-US" dirty="0" smtClean="0">
+                <a:solidFill>
+                  <a:schemeClr val="tx1"/>
+                </a:solidFill>
+              </a:rPr>
+              <a:t>용기</a:t>
+            </a:r>
+            <a:endParaRPr lang="ko-KR" altLang="en-US" dirty="0">
+              <a:solidFill>
+                <a:schemeClr val="tx1"/>
+              </a:solidFill>
+            </a:endParaRPr>
+          </a:p>
+        </p:txBody>
+      </p:sp>
+      <p:sp>
+        <p:nvSpPr>
+          <p:cNvPr id="8" name="타원 7"/>
+          <p:cNvSpPr/>
+          <p:nvPr/>
+        </p:nvSpPr>
+        <p:spPr>
+          <a:xfrm>
+            <a:off x="4550163" y="3154961"/>
+            <a:ext cx="2381864" cy="2381864"/>
+          </a:xfrm>
+          <a:prstGeom prst="ellipse">
+            <a:avLst/>
+          </a:prstGeom>
+          <a:noFill/>
+          <a:ln w="57150">
+            <a:solidFill>
+              <a:schemeClr val="accent5"/>
+            </a:solidFill>
+          </a:ln>
+        </p:spPr>
+        <p:style>
+          <a:lnRef idx="2">
+            <a:schemeClr val="accent1">
+              <a:shade val="50000"/>
+            </a:schemeClr>
+          </a:lnRef>
+          <a:fillRef idx="1">
+            <a:schemeClr val="accent1"/>
+          </a:fillRef>
+          <a:effectRef idx="0">
+            <a:schemeClr val="accent1"/>
+          </a:effectRef>
+          <a:fontRef idx="minor">
+            <a:schemeClr val="lt1"/>
+          </a:fontRef>
+        </p:style>
+        <p:txBody>
+          <a:bodyPr rtlCol="0" anchor="ctr"/>
+          <a:lstStyle/>
+          <a:p>
+            <a:pPr algn="ctr">
+              <a:lnSpc>
+                <a:spcPct val="150000"/>
+              </a:lnSpc>
+            </a:pPr>
+            <a:r>
+              <a:rPr lang="en-US" altLang="ko-KR" dirty="0" smtClean="0">
+                <a:solidFill>
+                  <a:schemeClr val="tx1"/>
+                </a:solidFill>
+              </a:rPr>
+              <a:t>Integrity</a:t>
+            </a:r>
+          </a:p>
+          <a:p>
+            <a:pPr algn="ctr">
+              <a:lnSpc>
+                <a:spcPct val="150000"/>
+              </a:lnSpc>
+            </a:pPr>
+            <a:r>
+              <a:rPr lang="ko-KR" altLang="en-US" dirty="0" smtClean="0">
+                <a:solidFill>
+                  <a:schemeClr val="tx1"/>
+                </a:solidFill>
+              </a:rPr>
+              <a:t>정직</a:t>
+            </a:r>
+            <a:endParaRPr lang="ko-KR" altLang="en-US" dirty="0">
+              <a:solidFill>
+                <a:schemeClr val="tx1"/>
+              </a:solidFill>
+            </a:endParaRPr>
+          </a:p>
+        </p:txBody>
+      </p:sp>
+      <p:sp>
+        <p:nvSpPr>
+          <p:cNvPr id="9" name="타원 8"/>
+          <p:cNvSpPr/>
+          <p:nvPr/>
+        </p:nvSpPr>
+        <p:spPr>
+          <a:xfrm>
+            <a:off x="7771503" y="3174066"/>
+            <a:ext cx="2381864" cy="2381864"/>
+          </a:xfrm>
+          <a:prstGeom prst="ellipse">
+            <a:avLst/>
+          </a:prstGeom>
+          <a:noFill/>
+          <a:ln w="57150">
+            <a:solidFill>
+              <a:schemeClr val="accent5"/>
+            </a:solidFill>
+          </a:ln>
+        </p:spPr>
+        <p:style>
+          <a:lnRef idx="2">
+            <a:schemeClr val="accent1">
+              <a:shade val="50000"/>
+            </a:schemeClr>
+          </a:lnRef>
+          <a:fillRef idx="1">
+            <a:schemeClr val="accent1"/>
+          </a:fillRef>
+          <a:effectRef idx="0">
+            <a:schemeClr val="accent1"/>
+          </a:effectRef>
+          <a:fontRef idx="minor">
+            <a:schemeClr val="lt1"/>
+          </a:fontRef>
+        </p:style>
+        <p:txBody>
+          <a:bodyPr rtlCol="0" anchor="ctr"/>
+          <a:lstStyle/>
+          <a:p>
+            <a:pPr algn="ctr">
+              <a:lnSpc>
+                <a:spcPct val="150000"/>
+              </a:lnSpc>
+            </a:pPr>
+            <a:r>
+              <a:rPr lang="en-US" altLang="ko-KR" dirty="0" smtClean="0">
+                <a:solidFill>
+                  <a:schemeClr val="tx1"/>
+                </a:solidFill>
+              </a:rPr>
+              <a:t>Passion</a:t>
+            </a:r>
+          </a:p>
+          <a:p>
+            <a:pPr algn="ctr">
+              <a:lnSpc>
+                <a:spcPct val="150000"/>
+              </a:lnSpc>
+            </a:pPr>
+            <a:r>
+              <a:rPr lang="ko-KR" altLang="en-US" dirty="0" smtClean="0">
+                <a:solidFill>
+                  <a:schemeClr val="tx1"/>
+                </a:solidFill>
+              </a:rPr>
+              <a:t>열정</a:t>
+            </a:r>
+            <a:endParaRPr lang="ko-KR" altLang="en-US" dirty="0">
+              <a:solidFill>
+                <a:schemeClr val="tx1"/>
+              </a:solidFill>
+            </a:endParaRPr>
+          </a:p>
+        </p:txBody>
+      </p:sp>
+      <p:sp>
+        <p:nvSpPr>
+          <p:cNvPr id="7" name="TextBox 6"/>
+          <p:cNvSpPr txBox="1"/>
+          <p:nvPr/>
+        </p:nvSpPr>
+        <p:spPr>
+          <a:xfrm>
+            <a:off x="6845960" y="3174066"/>
+            <a:ext cx="925543" cy="523220"/>
           </a:xfrm>
           <a:prstGeom prst="rect">
             <a:avLst/>
           </a:prstGeom>
+          <a:noFill/>
+        </p:spPr>
+        <p:txBody>
+          <a:bodyPr wrap="square" rtlCol="0">
+            <a:spAutoFit/>
+          </a:bodyPr>
+          <a:lstStyle/>
+          <a:p>
+            <a:pPr algn="ctr"/>
+            <a:r>
+              <a:rPr lang="ko-KR" altLang="en-US" sz="2800" dirty="0" smtClean="0">
+                <a:solidFill>
+                  <a:srgbClr val="0070C0"/>
+                </a:solidFill>
+              </a:rPr>
+              <a:t>혁신</a:t>
+            </a:r>
+            <a:endParaRPr lang="ko-KR" altLang="en-US" sz="2800" dirty="0">
+              <a:solidFill>
+                <a:srgbClr val="0070C0"/>
+              </a:solidFill>
+            </a:endParaRPr>
+          </a:p>
+        </p:txBody>
+      </p:sp>
+      <p:sp>
+        <p:nvSpPr>
+          <p:cNvPr id="11" name="TextBox 10"/>
+          <p:cNvSpPr txBox="1"/>
+          <p:nvPr/>
+        </p:nvSpPr>
+        <p:spPr>
+          <a:xfrm>
+            <a:off x="4438900" y="5773649"/>
+            <a:ext cx="5774937" cy="461665"/>
+          </a:xfrm>
+          <a:prstGeom prst="rect">
+            <a:avLst/>
+          </a:prstGeom>
+          <a:noFill/>
+        </p:spPr>
+        <p:txBody>
+          <a:bodyPr wrap="square" rtlCol="0">
+            <a:spAutoFit/>
+          </a:bodyPr>
+          <a:lstStyle/>
+          <a:p>
+            <a:pPr algn="ctr"/>
+            <a:r>
+              <a:rPr lang="en-US" altLang="ko-KR" sz="2400" i="1" dirty="0" smtClean="0"/>
+              <a:t>“Doing now what patients need next”</a:t>
+            </a:r>
+            <a:endParaRPr lang="ko-KR" altLang="en-US" sz="2400" i="1" dirty="0"/>
+          </a:p>
+        </p:txBody>
+      </p:sp>
+    </p:spTree>
+    <p:extLst>
+      <p:ext uri="{BB962C8B-B14F-4D97-AF65-F5344CB8AC3E}">
+        <p14:creationId xmlns:p14="http://schemas.microsoft.com/office/powerpoint/2010/main" val="1590073503"/>
+      </p:ext>
+    </p:extLst>
+  </p:cSld>
+  <p:clrMapOvr>
+    <a:masterClrMapping/>
+  </p:clrMapOvr>
+  <p:timing>
+    <p:tnLst>
+      <p:par>
+        <p:cTn id="1" dur="indefinite" restart="never" nodeType="tmRoot"/>
+      </p:par>
+    </p:tnLst>
+  </p:timing>
+</p:sld>
+</file>
+
+<file path=ppt/slides/slide6.xml><?xml version="1.0" encoding="utf-8"?>
+<p:sld xmlns:a="http://schemas.openxmlformats.org/drawingml/2006/main" xmlns:r="http://schemas.openxmlformats.org/officeDocument/2006/relationships" xmlns:p="http://schemas.openxmlformats.org/presentationml/2006/main">
+  <p:cSld>
+    <p:spTree>
+      <p:nvGrpSpPr>
+        <p:cNvPr id="1" name=""/>
+        <p:cNvGrpSpPr/>
+        <p:nvPr/>
+      </p:nvGrpSpPr>
+      <p:grpSpPr>
+        <a:xfrm>
+          <a:off x="0" y="0"/>
+          <a:ext cx="0" cy="0"/>
+          <a:chOff x="0" y="0"/>
+          <a:chExt cx="0" cy="0"/>
+        </a:xfrm>
+      </p:grpSpPr>
+      <p:sp>
+        <p:nvSpPr>
+          <p:cNvPr id="2" name="제목 1"/>
+          <p:cNvSpPr>
+            <a:spLocks noGrp="1"/>
+          </p:cNvSpPr>
+          <p:nvPr>
+            <p:ph type="title"/>
+          </p:nvPr>
+        </p:nvSpPr>
+        <p:spPr>
+          <a:xfrm>
+            <a:off x="148849" y="680483"/>
+            <a:ext cx="2360429" cy="935665"/>
+          </a:xfrm>
+          <a:ln>
+            <a:noFill/>
+          </a:ln>
+        </p:spPr>
+        <p:txBody>
+          <a:bodyPr>
+            <a:normAutofit/>
+          </a:bodyPr>
+          <a:lstStyle/>
+          <a:p>
+            <a:r>
+              <a:rPr lang="en-US" altLang="ko-KR" sz="2400" b="1" dirty="0" smtClean="0">
+                <a:solidFill>
+                  <a:schemeClr val="tx1">
+                    <a:lumMod val="75000"/>
+                    <a:lumOff val="25000"/>
+                  </a:schemeClr>
+                </a:solidFill>
+              </a:rPr>
+              <a:t>2.</a:t>
+            </a:r>
+            <a:r>
+              <a:rPr lang="ko-KR" altLang="en-US" sz="2400" b="1" dirty="0" smtClean="0"/>
+              <a:t> </a:t>
+            </a:r>
+            <a:r>
+              <a:rPr lang="ko-KR" altLang="en-US" sz="2400" b="1" dirty="0" smtClean="0"/>
+              <a:t>리서치</a:t>
+            </a:r>
+            <a:endParaRPr lang="en-US" altLang="ko-KR" sz="2400" b="1" dirty="0" smtClean="0"/>
+          </a:p>
+        </p:txBody>
+      </p:sp>
+      <p:sp>
+        <p:nvSpPr>
+          <p:cNvPr id="4" name="직사각형 3"/>
+          <p:cNvSpPr/>
+          <p:nvPr/>
+        </p:nvSpPr>
+        <p:spPr>
+          <a:xfrm>
+            <a:off x="411120" y="1616148"/>
+            <a:ext cx="2342707" cy="584775"/>
+          </a:xfrm>
+          <a:prstGeom prst="rect">
+            <a:avLst/>
+          </a:prstGeom>
         </p:spPr>
         <p:txBody>
           <a:bodyPr wrap="square">
@@ -4787,87 +5174,300 @@
           </a:bodyPr>
           <a:lstStyle/>
           <a:p>
-            <a:pPr marL="285750" indent="-285750">
-              <a:lnSpc>
-                <a:spcPct val="150000"/>
-              </a:lnSpc>
-              <a:buFont typeface="Arial" panose="020B0604020202020204" pitchFamily="34" charset="0"/>
-              <a:buChar char="•"/>
-            </a:pPr>
-            <a:r>
-              <a:rPr lang="ko-KR" altLang="en-US" sz="3600" dirty="0" smtClean="0"/>
-              <a:t>키워드</a:t>
-            </a:r>
-            <a:r>
-              <a:rPr lang="en-US" altLang="ko-KR" sz="3600" dirty="0" smtClean="0"/>
-              <a:t>(Keyword)</a:t>
-            </a:r>
-          </a:p>
-          <a:p>
-            <a:pPr marL="285750" indent="-285750">
-              <a:lnSpc>
-                <a:spcPct val="150000"/>
-              </a:lnSpc>
-              <a:buFont typeface="Arial" panose="020B0604020202020204" pitchFamily="34" charset="0"/>
-              <a:buChar char="•"/>
-            </a:pPr>
-            <a:r>
-              <a:rPr lang="ko-KR" altLang="en-US" sz="3600" dirty="0" smtClean="0"/>
-              <a:t>슬로건</a:t>
-            </a:r>
-            <a:r>
-              <a:rPr lang="en-US" altLang="ko-KR" sz="3600" dirty="0" smtClean="0"/>
-              <a:t>(Slogan)</a:t>
-            </a:r>
-            <a:endParaRPr lang="ko-KR" altLang="en-US" sz="3600" dirty="0"/>
+            <a:r>
+              <a:rPr lang="ko-KR" altLang="en-US" sz="1600" b="1" dirty="0" smtClean="0"/>
+              <a:t>시장 분석</a:t>
+            </a:r>
+            <a:r>
+              <a:rPr lang="en-US" altLang="ko-KR" sz="1600" b="1" dirty="0"/>
+              <a:t/>
+            </a:r>
+            <a:br>
+              <a:rPr lang="en-US" altLang="ko-KR" sz="1600" b="1" dirty="0"/>
+            </a:br>
+            <a:r>
+              <a:rPr lang="ko-KR" altLang="en-US" sz="1600" b="1" dirty="0" smtClean="0">
+                <a:solidFill>
+                  <a:schemeClr val="bg1">
+                    <a:lumMod val="50000"/>
+                  </a:schemeClr>
+                </a:solidFill>
+              </a:rPr>
+              <a:t>디자인 분석</a:t>
+            </a:r>
+            <a:endParaRPr lang="ko-KR" altLang="en-US" sz="1600" b="1" dirty="0">
+              <a:solidFill>
+                <a:schemeClr val="bg1">
+                  <a:lumMod val="50000"/>
+                </a:schemeClr>
+              </a:solidFill>
+            </a:endParaRPr>
+          </a:p>
+        </p:txBody>
+      </p:sp>
+      <p:cxnSp>
+        <p:nvCxnSpPr>
+          <p:cNvPr id="6" name="직선 연결선 5"/>
+          <p:cNvCxnSpPr/>
+          <p:nvPr/>
+        </p:nvCxnSpPr>
+        <p:spPr>
+          <a:xfrm>
+            <a:off x="2732571" y="212652"/>
+            <a:ext cx="0" cy="6368902"/>
+          </a:xfrm>
+          <a:prstGeom prst="line">
+            <a:avLst/>
+          </a:prstGeom>
+          <a:ln w="19050">
+            <a:solidFill>
+              <a:schemeClr val="tx1">
+                <a:lumMod val="50000"/>
+                <a:lumOff val="50000"/>
+              </a:schemeClr>
+            </a:solidFill>
+          </a:ln>
+        </p:spPr>
+        <p:style>
+          <a:lnRef idx="1">
+            <a:schemeClr val="dk1"/>
+          </a:lnRef>
+          <a:fillRef idx="0">
+            <a:schemeClr val="dk1"/>
+          </a:fillRef>
+          <a:effectRef idx="0">
+            <a:schemeClr val="dk1"/>
+          </a:effectRef>
+          <a:fontRef idx="minor">
+            <a:schemeClr val="tx1"/>
+          </a:fontRef>
+        </p:style>
+      </p:cxnSp>
+      <p:sp>
+        <p:nvSpPr>
+          <p:cNvPr id="10" name="TextBox 9"/>
+          <p:cNvSpPr txBox="1"/>
+          <p:nvPr/>
+        </p:nvSpPr>
+        <p:spPr>
+          <a:xfrm>
+            <a:off x="3129483" y="993912"/>
+            <a:ext cx="3531771" cy="707886"/>
+          </a:xfrm>
+          <a:prstGeom prst="rect">
+            <a:avLst/>
+          </a:prstGeom>
+          <a:noFill/>
+        </p:spPr>
+        <p:txBody>
+          <a:bodyPr wrap="square" rtlCol="0">
+            <a:spAutoFit/>
+          </a:bodyPr>
+          <a:lstStyle/>
+          <a:p>
+            <a:r>
+              <a:rPr lang="ko-KR" altLang="en-US" sz="2000" b="1" dirty="0" smtClean="0"/>
+              <a:t>경쟁사 분석</a:t>
+            </a:r>
+            <a:endParaRPr lang="en-US" altLang="ko-KR" sz="2000" b="1" dirty="0" smtClean="0"/>
+          </a:p>
+          <a:p>
+            <a:r>
+              <a:rPr lang="en-US" altLang="ko-KR" sz="2000" dirty="0"/>
+              <a:t>https://www.hanmi.co.kr/</a:t>
+            </a:r>
+            <a:endParaRPr lang="ko-KR" altLang="en-US" sz="2000" dirty="0"/>
           </a:p>
         </p:txBody>
       </p:sp>
       <p:pic>
         <p:nvPicPr>
-          <p:cNvPr id="1026" name="Picture 2" descr="이미지"/>
+          <p:cNvPr id="12" name="그림 11"/>
           <p:cNvPicPr>
-            <a:picLocks noChangeAspect="1" noChangeArrowheads="1"/>
+            <a:picLocks noChangeAspect="1"/>
           </p:cNvPicPr>
           <p:nvPr/>
         </p:nvPicPr>
         <p:blipFill>
-          <a:blip r:embed="rId2">
-            <a:extLst>
-              <a:ext uri="{28A0092B-C50C-407E-A947-70E740481C1C}">
-                <a14:useLocalDpi xmlns:a14="http://schemas.microsoft.com/office/drawing/2010/main" val="0"/>
-              </a:ext>
-            </a:extLst>
-          </a:blip>
-          <a:srcRect/>
+          <a:blip r:embed="rId2"/>
           <a:stretch>
             <a:fillRect/>
           </a:stretch>
         </p:blipFill>
-        <p:spPr bwMode="auto">
-          <a:xfrm>
-            <a:off x="8162924" y="1616148"/>
-            <a:ext cx="3048000" cy="2838450"/>
+        <p:spPr>
+          <a:xfrm>
+            <a:off x="7113876" y="993912"/>
+            <a:ext cx="4609215" cy="3365895"/>
+          </a:xfrm>
+          <a:prstGeom prst="rect">
+            <a:avLst/>
+          </a:prstGeom>
+        </p:spPr>
+      </p:pic>
+      <p:sp>
+        <p:nvSpPr>
+          <p:cNvPr id="13" name="TextBox 12"/>
+          <p:cNvSpPr txBox="1"/>
+          <p:nvPr/>
+        </p:nvSpPr>
+        <p:spPr>
+          <a:xfrm>
+            <a:off x="3129483" y="2016257"/>
+            <a:ext cx="3132814" cy="369332"/>
           </a:xfrm>
           <a:prstGeom prst="rect">
             <a:avLst/>
           </a:prstGeom>
           <a:noFill/>
-          <a:extLst>
-            <a:ext uri="{909E8E84-426E-40DD-AFC4-6F175D3DCCD1}">
-              <a14:hiddenFill xmlns:a14="http://schemas.microsoft.com/office/drawing/2010/main">
-                <a:solidFill>
-                  <a:srgbClr val="FFFFFF"/>
-                </a:solidFill>
-              </a14:hiddenFill>
-            </a:ext>
-          </a:extLst>
-        </p:spPr>
-      </p:pic>
+        </p:spPr>
+        <p:txBody>
+          <a:bodyPr wrap="square" rtlCol="0">
+            <a:spAutoFit/>
+          </a:bodyPr>
+          <a:lstStyle/>
+          <a:p>
+            <a:r>
+              <a:rPr lang="ko-KR" altLang="en-US" b="1" dirty="0" smtClean="0"/>
+              <a:t>한미약품</a:t>
+            </a:r>
+            <a:endParaRPr lang="ko-KR" altLang="en-US" b="1" dirty="0"/>
+          </a:p>
+        </p:txBody>
+      </p:sp>
+      <p:sp>
+        <p:nvSpPr>
+          <p:cNvPr id="14" name="TextBox 13"/>
+          <p:cNvSpPr txBox="1"/>
+          <p:nvPr/>
+        </p:nvSpPr>
+        <p:spPr>
+          <a:xfrm>
+            <a:off x="3185195" y="2449003"/>
+            <a:ext cx="3291840" cy="1754326"/>
+          </a:xfrm>
+          <a:prstGeom prst="rect">
+            <a:avLst/>
+          </a:prstGeom>
+          <a:noFill/>
+        </p:spPr>
+        <p:txBody>
+          <a:bodyPr wrap="square" rtlCol="0">
+            <a:spAutoFit/>
+          </a:bodyPr>
+          <a:lstStyle/>
+          <a:p>
+            <a:r>
+              <a:rPr lang="en-US" altLang="ko-KR" dirty="0" smtClean="0"/>
+              <a:t>1873</a:t>
+            </a:r>
+            <a:r>
+              <a:rPr lang="ko-KR" altLang="en-US" dirty="0" smtClean="0"/>
+              <a:t>년에 설립된 국내 대표 제약업체중의 하나로 신약개발 및 </a:t>
+            </a:r>
+            <a:r>
+              <a:rPr lang="en-US" altLang="ko-KR" dirty="0" smtClean="0"/>
+              <a:t>R&amp;D</a:t>
+            </a:r>
+            <a:r>
+              <a:rPr lang="ko-KR" altLang="en-US" dirty="0" smtClean="0"/>
+              <a:t>에 역량을 집중하고 있다</a:t>
+            </a:r>
+            <a:r>
+              <a:rPr lang="en-US" altLang="ko-KR" dirty="0" smtClean="0"/>
+              <a:t>. </a:t>
+            </a:r>
+            <a:r>
+              <a:rPr lang="ko-KR" altLang="en-US" dirty="0" smtClean="0"/>
+              <a:t>핵심 가치는 </a:t>
+            </a:r>
+            <a:r>
+              <a:rPr lang="en-US" altLang="ko-KR" dirty="0" smtClean="0"/>
+              <a:t>＇</a:t>
+            </a:r>
+            <a:r>
+              <a:rPr lang="ko-KR" altLang="en-US" dirty="0" smtClean="0"/>
+              <a:t>창조와 도전</a:t>
+            </a:r>
+            <a:r>
+              <a:rPr lang="en-US" altLang="ko-KR" dirty="0" smtClean="0"/>
+              <a:t>＇</a:t>
+            </a:r>
+            <a:r>
+              <a:rPr lang="ko-KR" altLang="en-US" dirty="0" smtClean="0"/>
+              <a:t>으로 글로벌 기업으로의 도약을 지향하고 있다</a:t>
+            </a:r>
+            <a:r>
+              <a:rPr lang="en-US" altLang="ko-KR" dirty="0" smtClean="0"/>
+              <a:t>.</a:t>
+            </a:r>
+            <a:endParaRPr lang="ko-KR" altLang="en-US" dirty="0"/>
+          </a:p>
+        </p:txBody>
+      </p:sp>
+      <p:sp>
+        <p:nvSpPr>
+          <p:cNvPr id="15" name="TextBox 14"/>
+          <p:cNvSpPr txBox="1"/>
+          <p:nvPr/>
+        </p:nvSpPr>
+        <p:spPr>
+          <a:xfrm>
+            <a:off x="3185195" y="4636861"/>
+            <a:ext cx="3132814" cy="369332"/>
+          </a:xfrm>
+          <a:prstGeom prst="rect">
+            <a:avLst/>
+          </a:prstGeom>
+          <a:noFill/>
+        </p:spPr>
+        <p:txBody>
+          <a:bodyPr wrap="square" rtlCol="0">
+            <a:spAutoFit/>
+          </a:bodyPr>
+          <a:lstStyle/>
+          <a:p>
+            <a:r>
+              <a:rPr lang="ko-KR" altLang="en-US" b="1" dirty="0" smtClean="0"/>
+              <a:t>장점</a:t>
+            </a:r>
+            <a:endParaRPr lang="ko-KR" altLang="en-US" b="1" dirty="0"/>
+          </a:p>
+        </p:txBody>
+      </p:sp>
+      <p:sp>
+        <p:nvSpPr>
+          <p:cNvPr id="16" name="TextBox 15"/>
+          <p:cNvSpPr txBox="1"/>
+          <p:nvPr/>
+        </p:nvSpPr>
+        <p:spPr>
+          <a:xfrm>
+            <a:off x="7113876" y="4636861"/>
+            <a:ext cx="3132814" cy="369332"/>
+          </a:xfrm>
+          <a:prstGeom prst="rect">
+            <a:avLst/>
+          </a:prstGeom>
+          <a:noFill/>
+        </p:spPr>
+        <p:txBody>
+          <a:bodyPr wrap="square" rtlCol="0">
+            <a:spAutoFit/>
+          </a:bodyPr>
+          <a:lstStyle/>
+          <a:p>
+            <a:r>
+              <a:rPr lang="ko-KR" altLang="en-US" b="1" dirty="0" smtClean="0"/>
+              <a:t>단점</a:t>
+            </a:r>
+            <a:endParaRPr lang="ko-KR" altLang="en-US" b="1" dirty="0"/>
+          </a:p>
+        </p:txBody>
+      </p:sp>
     </p:spTree>
     <p:extLst>
       <p:ext uri="{BB962C8B-B14F-4D97-AF65-F5344CB8AC3E}">
-        <p14:creationId xmlns:p14="http://schemas.microsoft.com/office/powerpoint/2010/main" val="1590073503"/>
+        <p14:creationId xmlns:p14="http://schemas.microsoft.com/office/powerpoint/2010/main" val="3444719417"/>
       </p:ext>
     </p:extLst>
   </p:cSld>

--- a/로슈 홈페이지 리뉴얼 제안서.pptx
+++ b/로슈 홈페이지 리뉴얼 제안서.pptx
@@ -11,6 +11,9 @@
     <p:sldId id="259" r:id="rId5"/>
     <p:sldId id="260" r:id="rId6"/>
     <p:sldId id="261" r:id="rId7"/>
+    <p:sldId id="262" r:id="rId8"/>
+    <p:sldId id="263" r:id="rId9"/>
+    <p:sldId id="264" r:id="rId10"/>
   </p:sldIdLst>
   <p:sldSz cx="12192000" cy="6858000"/>
   <p:notesSz cx="6858000" cy="9144000"/>
@@ -248,7 +251,7 @@
           <a:p>
             <a:fld id="{32BADF0B-C1AA-4B9A-9C58-F0B078962046}" type="datetimeFigureOut">
               <a:rPr lang="ko-KR" altLang="en-US" smtClean="0"/>
-              <a:t>2021-09-30</a:t>
+              <a:t>2021-10-01</a:t>
             </a:fld>
             <a:endParaRPr lang="ko-KR" altLang="en-US"/>
           </a:p>
@@ -418,7 +421,7 @@
           <a:p>
             <a:fld id="{32BADF0B-C1AA-4B9A-9C58-F0B078962046}" type="datetimeFigureOut">
               <a:rPr lang="ko-KR" altLang="en-US" smtClean="0"/>
-              <a:t>2021-09-30</a:t>
+              <a:t>2021-10-01</a:t>
             </a:fld>
             <a:endParaRPr lang="ko-KR" altLang="en-US"/>
           </a:p>
@@ -598,7 +601,7 @@
           <a:p>
             <a:fld id="{32BADF0B-C1AA-4B9A-9C58-F0B078962046}" type="datetimeFigureOut">
               <a:rPr lang="ko-KR" altLang="en-US" smtClean="0"/>
-              <a:t>2021-09-30</a:t>
+              <a:t>2021-10-01</a:t>
             </a:fld>
             <a:endParaRPr lang="ko-KR" altLang="en-US"/>
           </a:p>
@@ -768,7 +771,7 @@
           <a:p>
             <a:fld id="{32BADF0B-C1AA-4B9A-9C58-F0B078962046}" type="datetimeFigureOut">
               <a:rPr lang="ko-KR" altLang="en-US" smtClean="0"/>
-              <a:t>2021-09-30</a:t>
+              <a:t>2021-10-01</a:t>
             </a:fld>
             <a:endParaRPr lang="ko-KR" altLang="en-US"/>
           </a:p>
@@ -1014,7 +1017,7 @@
           <a:p>
             <a:fld id="{32BADF0B-C1AA-4B9A-9C58-F0B078962046}" type="datetimeFigureOut">
               <a:rPr lang="ko-KR" altLang="en-US" smtClean="0"/>
-              <a:t>2021-09-30</a:t>
+              <a:t>2021-10-01</a:t>
             </a:fld>
             <a:endParaRPr lang="ko-KR" altLang="en-US"/>
           </a:p>
@@ -1246,7 +1249,7 @@
           <a:p>
             <a:fld id="{32BADF0B-C1AA-4B9A-9C58-F0B078962046}" type="datetimeFigureOut">
               <a:rPr lang="ko-KR" altLang="en-US" smtClean="0"/>
-              <a:t>2021-09-30</a:t>
+              <a:t>2021-10-01</a:t>
             </a:fld>
             <a:endParaRPr lang="ko-KR" altLang="en-US"/>
           </a:p>
@@ -1613,7 +1616,7 @@
           <a:p>
             <a:fld id="{32BADF0B-C1AA-4B9A-9C58-F0B078962046}" type="datetimeFigureOut">
               <a:rPr lang="ko-KR" altLang="en-US" smtClean="0"/>
-              <a:t>2021-09-30</a:t>
+              <a:t>2021-10-01</a:t>
             </a:fld>
             <a:endParaRPr lang="ko-KR" altLang="en-US"/>
           </a:p>
@@ -1731,7 +1734,7 @@
           <a:p>
             <a:fld id="{32BADF0B-C1AA-4B9A-9C58-F0B078962046}" type="datetimeFigureOut">
               <a:rPr lang="ko-KR" altLang="en-US" smtClean="0"/>
-              <a:t>2021-09-30</a:t>
+              <a:t>2021-10-01</a:t>
             </a:fld>
             <a:endParaRPr lang="ko-KR" altLang="en-US"/>
           </a:p>
@@ -1826,7 +1829,7 @@
           <a:p>
             <a:fld id="{32BADF0B-C1AA-4B9A-9C58-F0B078962046}" type="datetimeFigureOut">
               <a:rPr lang="ko-KR" altLang="en-US" smtClean="0"/>
-              <a:t>2021-09-30</a:t>
+              <a:t>2021-10-01</a:t>
             </a:fld>
             <a:endParaRPr lang="ko-KR" altLang="en-US"/>
           </a:p>
@@ -2103,7 +2106,7 @@
           <a:p>
             <a:fld id="{32BADF0B-C1AA-4B9A-9C58-F0B078962046}" type="datetimeFigureOut">
               <a:rPr lang="ko-KR" altLang="en-US" smtClean="0"/>
-              <a:t>2021-09-30</a:t>
+              <a:t>2021-10-01</a:t>
             </a:fld>
             <a:endParaRPr lang="ko-KR" altLang="en-US"/>
           </a:p>
@@ -2356,7 +2359,7 @@
           <a:p>
             <a:fld id="{32BADF0B-C1AA-4B9A-9C58-F0B078962046}" type="datetimeFigureOut">
               <a:rPr lang="ko-KR" altLang="en-US" smtClean="0"/>
-              <a:t>2021-09-30</a:t>
+              <a:t>2021-10-01</a:t>
             </a:fld>
             <a:endParaRPr lang="ko-KR" altLang="en-US"/>
           </a:p>
@@ -2569,7 +2572,7 @@
           <a:p>
             <a:fld id="{32BADF0B-C1AA-4B9A-9C58-F0B078962046}" type="datetimeFigureOut">
               <a:rPr lang="ko-KR" altLang="en-US" smtClean="0"/>
-              <a:t>2021-09-30</a:t>
+              <a:t>2021-10-01</a:t>
             </a:fld>
             <a:endParaRPr lang="ko-KR" altLang="en-US"/>
           </a:p>
@@ -5143,11 +5146,7 @@
             </a:r>
             <a:r>
               <a:rPr lang="ko-KR" altLang="en-US" sz="2400" b="1" dirty="0" smtClean="0"/>
-              <a:t> </a:t>
-            </a:r>
-            <a:r>
-              <a:rPr lang="ko-KR" altLang="en-US" sz="2400" b="1" dirty="0" smtClean="0"/>
-              <a:t>리서치</a:t>
+              <a:t> 리서치</a:t>
             </a:r>
             <a:endParaRPr lang="en-US" altLang="ko-KR" sz="2400" b="1" dirty="0" smtClean="0"/>
           </a:p>
@@ -5296,8 +5295,8 @@
         </p:blipFill>
         <p:spPr>
           <a:xfrm>
-            <a:off x="7113876" y="993912"/>
-            <a:ext cx="4609215" cy="3365895"/>
+            <a:off x="7113876" y="993913"/>
+            <a:ext cx="4212885" cy="3076474"/>
           </a:xfrm>
           <a:prstGeom prst="rect">
             <a:avLst/>
@@ -5343,7 +5342,7 @@
         <p:spPr>
           <a:xfrm>
             <a:off x="3185195" y="2449003"/>
-            <a:ext cx="3291840" cy="1754326"/>
+            <a:ext cx="3291840" cy="1569660"/>
           </a:xfrm>
           <a:prstGeom prst="rect">
             <a:avLst/>
@@ -5357,50 +5356,50 @@
           <a:lstStyle/>
           <a:p>
             <a:r>
-              <a:rPr lang="en-US" altLang="ko-KR" dirty="0" smtClean="0"/>
+              <a:rPr lang="en-US" altLang="ko-KR" sz="1600" dirty="0" smtClean="0"/>
               <a:t>1873</a:t>
             </a:r>
             <a:r>
-              <a:rPr lang="ko-KR" altLang="en-US" dirty="0" smtClean="0"/>
+              <a:rPr lang="ko-KR" altLang="en-US" sz="1600" dirty="0" smtClean="0"/>
               <a:t>년에 설립된 국내 대표 제약업체중의 하나로 신약개발 및 </a:t>
             </a:r>
             <a:r>
-              <a:rPr lang="en-US" altLang="ko-KR" dirty="0" smtClean="0"/>
+              <a:rPr lang="en-US" altLang="ko-KR" sz="1600" dirty="0" smtClean="0"/>
               <a:t>R&amp;D</a:t>
             </a:r>
             <a:r>
-              <a:rPr lang="ko-KR" altLang="en-US" dirty="0" smtClean="0"/>
+              <a:rPr lang="ko-KR" altLang="en-US" sz="1600" dirty="0" smtClean="0"/>
               <a:t>에 역량을 집중하고 있다</a:t>
             </a:r>
             <a:r>
-              <a:rPr lang="en-US" altLang="ko-KR" dirty="0" smtClean="0"/>
+              <a:rPr lang="en-US" altLang="ko-KR" sz="1600" dirty="0" smtClean="0"/>
               <a:t>. </a:t>
             </a:r>
             <a:r>
-              <a:rPr lang="ko-KR" altLang="en-US" dirty="0" smtClean="0"/>
+              <a:rPr lang="ko-KR" altLang="en-US" sz="1600" dirty="0" smtClean="0"/>
               <a:t>핵심 가치는 </a:t>
             </a:r>
             <a:r>
-              <a:rPr lang="en-US" altLang="ko-KR" dirty="0" smtClean="0"/>
+              <a:rPr lang="en-US" altLang="ko-KR" sz="1600" dirty="0" smtClean="0"/>
               <a:t>＇</a:t>
             </a:r>
             <a:r>
-              <a:rPr lang="ko-KR" altLang="en-US" dirty="0" smtClean="0"/>
+              <a:rPr lang="ko-KR" altLang="en-US" sz="1600" dirty="0" smtClean="0"/>
               <a:t>창조와 도전</a:t>
             </a:r>
             <a:r>
-              <a:rPr lang="en-US" altLang="ko-KR" dirty="0" smtClean="0"/>
+              <a:rPr lang="en-US" altLang="ko-KR" sz="1600" dirty="0" smtClean="0"/>
               <a:t>＇</a:t>
             </a:r>
             <a:r>
-              <a:rPr lang="ko-KR" altLang="en-US" dirty="0" smtClean="0"/>
+              <a:rPr lang="ko-KR" altLang="en-US" sz="1600" dirty="0" smtClean="0"/>
               <a:t>으로 글로벌 기업으로의 도약을 지향하고 있다</a:t>
             </a:r>
             <a:r>
-              <a:rPr lang="en-US" altLang="ko-KR" dirty="0" smtClean="0"/>
+              <a:rPr lang="en-US" altLang="ko-KR" sz="1600" dirty="0" smtClean="0"/>
               <a:t>.</a:t>
             </a:r>
-            <a:endParaRPr lang="ko-KR" altLang="en-US" dirty="0"/>
+            <a:endParaRPr lang="ko-KR" altLang="en-US" sz="1600" dirty="0"/>
           </a:p>
         </p:txBody>
       </p:sp>
@@ -5412,7 +5411,7 @@
         </p:nvSpPr>
         <p:spPr>
           <a:xfrm>
-            <a:off x="3185195" y="4636861"/>
+            <a:off x="3185195" y="4356645"/>
             <a:ext cx="3132814" cy="369332"/>
           </a:xfrm>
           <a:prstGeom prst="rect">
@@ -5442,7 +5441,7 @@
         </p:nvSpPr>
         <p:spPr>
           <a:xfrm>
-            <a:off x="7113876" y="4636861"/>
+            <a:off x="7113876" y="4356645"/>
             <a:ext cx="3132814" cy="369332"/>
           </a:xfrm>
           <a:prstGeom prst="rect">
@@ -5464,10 +5463,1418 @@
           </a:p>
         </p:txBody>
       </p:sp>
+      <p:sp>
+        <p:nvSpPr>
+          <p:cNvPr id="3" name="TextBox 2"/>
+          <p:cNvSpPr txBox="1"/>
+          <p:nvPr/>
+        </p:nvSpPr>
+        <p:spPr>
+          <a:xfrm>
+            <a:off x="3303639" y="4844845"/>
+            <a:ext cx="3561735" cy="1477328"/>
+          </a:xfrm>
+          <a:prstGeom prst="rect">
+            <a:avLst/>
+          </a:prstGeom>
+          <a:noFill/>
+        </p:spPr>
+        <p:txBody>
+          <a:bodyPr wrap="square" rtlCol="0">
+            <a:spAutoFit/>
+          </a:bodyPr>
+          <a:lstStyle/>
+          <a:p>
+            <a:pPr marL="285750" indent="-285750">
+              <a:buFont typeface="Arial" panose="020B0604020202020204" pitchFamily="34" charset="0"/>
+              <a:buChar char="•"/>
+            </a:pPr>
+            <a:r>
+              <a:rPr lang="ko-KR" altLang="en-US" dirty="0" err="1" smtClean="0"/>
+              <a:t>트랜디한</a:t>
+            </a:r>
+            <a:r>
+              <a:rPr lang="ko-KR" altLang="en-US" dirty="0" smtClean="0"/>
+              <a:t> 디자인과 구성</a:t>
+            </a:r>
+            <a:endParaRPr lang="en-US" altLang="ko-KR" dirty="0" smtClean="0"/>
+          </a:p>
+          <a:p>
+            <a:pPr marL="285750" indent="-285750">
+              <a:buFont typeface="Arial" panose="020B0604020202020204" pitchFamily="34" charset="0"/>
+              <a:buChar char="•"/>
+            </a:pPr>
+            <a:r>
+              <a:rPr lang="ko-KR" altLang="en-US" dirty="0" smtClean="0"/>
+              <a:t>메인 페이지 </a:t>
+            </a:r>
+            <a:r>
+              <a:rPr lang="ko-KR" altLang="en-US" dirty="0" err="1" smtClean="0"/>
+              <a:t>브랜딩이</a:t>
+            </a:r>
+            <a:r>
+              <a:rPr lang="ko-KR" altLang="en-US" dirty="0" smtClean="0"/>
+              <a:t> 잘 됨</a:t>
+            </a:r>
+            <a:endParaRPr lang="en-US" altLang="ko-KR" dirty="0" smtClean="0"/>
+          </a:p>
+          <a:p>
+            <a:pPr marL="285750" indent="-285750">
+              <a:buFont typeface="Arial" panose="020B0604020202020204" pitchFamily="34" charset="0"/>
+              <a:buChar char="•"/>
+            </a:pPr>
+            <a:r>
+              <a:rPr lang="ko-KR" altLang="en-US" dirty="0" smtClean="0"/>
+              <a:t>제품검색기능 용이</a:t>
+            </a:r>
+            <a:endParaRPr lang="en-US" altLang="ko-KR" dirty="0" smtClean="0"/>
+          </a:p>
+          <a:p>
+            <a:pPr marL="285750" indent="-285750">
+              <a:buFont typeface="Arial" panose="020B0604020202020204" pitchFamily="34" charset="0"/>
+              <a:buChar char="•"/>
+            </a:pPr>
+            <a:r>
+              <a:rPr lang="ko-KR" altLang="en-US" dirty="0" smtClean="0"/>
+              <a:t>브랜드 컬러를 잘 살려 회사의 긍정적이미지를 부각</a:t>
+            </a:r>
+            <a:endParaRPr lang="ko-KR" altLang="en-US" dirty="0"/>
+          </a:p>
+        </p:txBody>
+      </p:sp>
+      <p:sp>
+        <p:nvSpPr>
+          <p:cNvPr id="17" name="TextBox 16"/>
+          <p:cNvSpPr txBox="1"/>
+          <p:nvPr/>
+        </p:nvSpPr>
+        <p:spPr>
+          <a:xfrm>
+            <a:off x="7113876" y="4844845"/>
+            <a:ext cx="4212885" cy="923330"/>
+          </a:xfrm>
+          <a:prstGeom prst="rect">
+            <a:avLst/>
+          </a:prstGeom>
+          <a:noFill/>
+        </p:spPr>
+        <p:txBody>
+          <a:bodyPr wrap="square" rtlCol="0">
+            <a:spAutoFit/>
+          </a:bodyPr>
+          <a:lstStyle/>
+          <a:p>
+            <a:pPr marL="285750" indent="-285750">
+              <a:buFont typeface="Arial" panose="020B0604020202020204" pitchFamily="34" charset="0"/>
+              <a:buChar char="•"/>
+            </a:pPr>
+            <a:r>
+              <a:rPr lang="ko-KR" altLang="en-US" dirty="0" smtClean="0"/>
+              <a:t>로딩 시간이 많이 소요됨</a:t>
+            </a:r>
+            <a:endParaRPr lang="en-US" altLang="ko-KR" dirty="0" smtClean="0"/>
+          </a:p>
+          <a:p>
+            <a:pPr marL="285750" indent="-285750">
+              <a:buFont typeface="Arial" panose="020B0604020202020204" pitchFamily="34" charset="0"/>
+              <a:buChar char="•"/>
+            </a:pPr>
+            <a:r>
+              <a:rPr lang="ko-KR" altLang="en-US" dirty="0" smtClean="0"/>
+              <a:t>메인 헤더 </a:t>
+            </a:r>
+            <a:r>
+              <a:rPr lang="en-US" altLang="ko-KR" dirty="0" smtClean="0"/>
+              <a:t>GNB</a:t>
+            </a:r>
+            <a:r>
+              <a:rPr lang="ko-KR" altLang="en-US" dirty="0" smtClean="0"/>
+              <a:t>와 </a:t>
+            </a:r>
+            <a:r>
+              <a:rPr lang="en-US" altLang="ko-KR" dirty="0" smtClean="0"/>
+              <a:t>SUB</a:t>
+            </a:r>
+            <a:r>
+              <a:rPr lang="ko-KR" altLang="en-US" dirty="0" smtClean="0"/>
+              <a:t>페이지</a:t>
+            </a:r>
+            <a:r>
+              <a:rPr lang="en-US" altLang="ko-KR" dirty="0" smtClean="0"/>
+              <a:t>, </a:t>
+            </a:r>
+            <a:r>
+              <a:rPr lang="ko-KR" altLang="en-US" dirty="0" err="1" smtClean="0"/>
+              <a:t>푸터</a:t>
+            </a:r>
+            <a:r>
+              <a:rPr lang="ko-KR" altLang="en-US" dirty="0" smtClean="0"/>
+              <a:t>  불일치</a:t>
+            </a:r>
+            <a:endParaRPr lang="en-US" altLang="ko-KR" dirty="0" smtClean="0"/>
+          </a:p>
+        </p:txBody>
+      </p:sp>
+      <p:sp>
+        <p:nvSpPr>
+          <p:cNvPr id="7" name="TextBox 6"/>
+          <p:cNvSpPr txBox="1"/>
+          <p:nvPr/>
+        </p:nvSpPr>
+        <p:spPr>
+          <a:xfrm>
+            <a:off x="4551343" y="296785"/>
+            <a:ext cx="5125065" cy="369332"/>
+          </a:xfrm>
+          <a:prstGeom prst="rect">
+            <a:avLst/>
+          </a:prstGeom>
+          <a:noFill/>
+        </p:spPr>
+        <p:txBody>
+          <a:bodyPr wrap="square" rtlCol="0">
+            <a:spAutoFit/>
+          </a:bodyPr>
+          <a:lstStyle/>
+          <a:p>
+            <a:pPr algn="ctr"/>
+            <a:r>
+              <a:rPr lang="ko-KR" altLang="en-US" i="1" dirty="0" smtClean="0">
+                <a:solidFill>
+                  <a:srgbClr val="FF0000"/>
+                </a:solidFill>
+              </a:rPr>
+              <a:t>팁</a:t>
+            </a:r>
+            <a:r>
+              <a:rPr lang="en-US" altLang="ko-KR" i="1" dirty="0" smtClean="0">
+                <a:solidFill>
+                  <a:srgbClr val="FF0000"/>
+                </a:solidFill>
+              </a:rPr>
+              <a:t>: </a:t>
+            </a:r>
+            <a:r>
+              <a:rPr lang="ko-KR" altLang="en-US" i="1" dirty="0" smtClean="0">
+                <a:solidFill>
+                  <a:srgbClr val="FF0000"/>
+                </a:solidFill>
+              </a:rPr>
+              <a:t>경쟁사는 최소 </a:t>
+            </a:r>
+            <a:r>
+              <a:rPr lang="en-US" altLang="ko-KR" i="1" dirty="0" smtClean="0">
+                <a:solidFill>
+                  <a:srgbClr val="FF0000"/>
+                </a:solidFill>
+              </a:rPr>
+              <a:t>2~3</a:t>
+            </a:r>
+            <a:r>
+              <a:rPr lang="ko-KR" altLang="en-US" i="1" dirty="0" smtClean="0">
+                <a:solidFill>
+                  <a:srgbClr val="FF0000"/>
+                </a:solidFill>
+              </a:rPr>
+              <a:t>개 조사</a:t>
+            </a:r>
+            <a:endParaRPr lang="ko-KR" altLang="en-US" i="1" dirty="0">
+              <a:solidFill>
+                <a:srgbClr val="FF0000"/>
+              </a:solidFill>
+            </a:endParaRPr>
+          </a:p>
+        </p:txBody>
+      </p:sp>
     </p:spTree>
     <p:extLst>
       <p:ext uri="{BB962C8B-B14F-4D97-AF65-F5344CB8AC3E}">
         <p14:creationId xmlns:p14="http://schemas.microsoft.com/office/powerpoint/2010/main" val="3444719417"/>
+      </p:ext>
+    </p:extLst>
+  </p:cSld>
+  <p:clrMapOvr>
+    <a:masterClrMapping/>
+  </p:clrMapOvr>
+  <p:timing>
+    <p:tnLst>
+      <p:par>
+        <p:cTn id="1" dur="indefinite" restart="never" nodeType="tmRoot"/>
+      </p:par>
+    </p:tnLst>
+  </p:timing>
+</p:sld>
+</file>
+
+<file path=ppt/slides/slide7.xml><?xml version="1.0" encoding="utf-8"?>
+<p:sld xmlns:a="http://schemas.openxmlformats.org/drawingml/2006/main" xmlns:r="http://schemas.openxmlformats.org/officeDocument/2006/relationships" xmlns:p="http://schemas.openxmlformats.org/presentationml/2006/main">
+  <p:cSld>
+    <p:spTree>
+      <p:nvGrpSpPr>
+        <p:cNvPr id="1" name=""/>
+        <p:cNvGrpSpPr/>
+        <p:nvPr/>
+      </p:nvGrpSpPr>
+      <p:grpSpPr>
+        <a:xfrm>
+          <a:off x="0" y="0"/>
+          <a:ext cx="0" cy="0"/>
+          <a:chOff x="0" y="0"/>
+          <a:chExt cx="0" cy="0"/>
+        </a:xfrm>
+      </p:grpSpPr>
+      <p:sp>
+        <p:nvSpPr>
+          <p:cNvPr id="2" name="제목 1"/>
+          <p:cNvSpPr>
+            <a:spLocks noGrp="1"/>
+          </p:cNvSpPr>
+          <p:nvPr>
+            <p:ph type="title"/>
+          </p:nvPr>
+        </p:nvSpPr>
+        <p:spPr>
+          <a:xfrm>
+            <a:off x="148849" y="680483"/>
+            <a:ext cx="2360429" cy="935665"/>
+          </a:xfrm>
+          <a:ln>
+            <a:noFill/>
+          </a:ln>
+        </p:spPr>
+        <p:txBody>
+          <a:bodyPr>
+            <a:normAutofit/>
+          </a:bodyPr>
+          <a:lstStyle/>
+          <a:p>
+            <a:r>
+              <a:rPr lang="en-US" altLang="ko-KR" sz="2400" b="1" dirty="0" smtClean="0">
+                <a:solidFill>
+                  <a:schemeClr val="tx1">
+                    <a:lumMod val="75000"/>
+                    <a:lumOff val="25000"/>
+                  </a:schemeClr>
+                </a:solidFill>
+              </a:rPr>
+              <a:t>2.</a:t>
+            </a:r>
+            <a:r>
+              <a:rPr lang="ko-KR" altLang="en-US" sz="2400" b="1" dirty="0" smtClean="0"/>
+              <a:t> 리서치</a:t>
+            </a:r>
+            <a:endParaRPr lang="en-US" altLang="ko-KR" sz="2400" b="1" dirty="0" smtClean="0"/>
+          </a:p>
+        </p:txBody>
+      </p:sp>
+      <p:sp>
+        <p:nvSpPr>
+          <p:cNvPr id="4" name="직사각형 3"/>
+          <p:cNvSpPr/>
+          <p:nvPr/>
+        </p:nvSpPr>
+        <p:spPr>
+          <a:xfrm>
+            <a:off x="411120" y="1616148"/>
+            <a:ext cx="2342707" cy="584775"/>
+          </a:xfrm>
+          <a:prstGeom prst="rect">
+            <a:avLst/>
+          </a:prstGeom>
+        </p:spPr>
+        <p:txBody>
+          <a:bodyPr wrap="square">
+            <a:spAutoFit/>
+          </a:bodyPr>
+          <a:lstStyle/>
+          <a:p>
+            <a:r>
+              <a:rPr lang="ko-KR" altLang="en-US" sz="1600" b="1" dirty="0" smtClean="0">
+                <a:solidFill>
+                  <a:schemeClr val="bg1">
+                    <a:lumMod val="50000"/>
+                  </a:schemeClr>
+                </a:solidFill>
+              </a:rPr>
+              <a:t>시장 분석</a:t>
+            </a:r>
+            <a:r>
+              <a:rPr lang="en-US" altLang="ko-KR" sz="1600" b="1" dirty="0">
+                <a:solidFill>
+                  <a:schemeClr val="bg1">
+                    <a:lumMod val="50000"/>
+                  </a:schemeClr>
+                </a:solidFill>
+              </a:rPr>
+              <a:t/>
+            </a:r>
+            <a:br>
+              <a:rPr lang="en-US" altLang="ko-KR" sz="1600" b="1" dirty="0">
+                <a:solidFill>
+                  <a:schemeClr val="bg1">
+                    <a:lumMod val="50000"/>
+                  </a:schemeClr>
+                </a:solidFill>
+              </a:rPr>
+            </a:br>
+            <a:r>
+              <a:rPr lang="ko-KR" altLang="en-US" sz="1600" b="1" dirty="0" smtClean="0"/>
+              <a:t>디자인 분석</a:t>
+            </a:r>
+            <a:endParaRPr lang="ko-KR" altLang="en-US" sz="1600" b="1" dirty="0"/>
+          </a:p>
+        </p:txBody>
+      </p:sp>
+      <p:cxnSp>
+        <p:nvCxnSpPr>
+          <p:cNvPr id="6" name="직선 연결선 5"/>
+          <p:cNvCxnSpPr/>
+          <p:nvPr/>
+        </p:nvCxnSpPr>
+        <p:spPr>
+          <a:xfrm>
+            <a:off x="2732571" y="212652"/>
+            <a:ext cx="0" cy="6368902"/>
+          </a:xfrm>
+          <a:prstGeom prst="line">
+            <a:avLst/>
+          </a:prstGeom>
+          <a:ln w="19050">
+            <a:solidFill>
+              <a:schemeClr val="tx1">
+                <a:lumMod val="50000"/>
+                <a:lumOff val="50000"/>
+              </a:schemeClr>
+            </a:solidFill>
+          </a:ln>
+        </p:spPr>
+        <p:style>
+          <a:lnRef idx="1">
+            <a:schemeClr val="dk1"/>
+          </a:lnRef>
+          <a:fillRef idx="0">
+            <a:schemeClr val="dk1"/>
+          </a:fillRef>
+          <a:effectRef idx="0">
+            <a:schemeClr val="dk1"/>
+          </a:effectRef>
+          <a:fontRef idx="minor">
+            <a:schemeClr val="tx1"/>
+          </a:fontRef>
+        </p:style>
+      </p:cxnSp>
+      <p:sp>
+        <p:nvSpPr>
+          <p:cNvPr id="10" name="TextBox 9"/>
+          <p:cNvSpPr txBox="1"/>
+          <p:nvPr/>
+        </p:nvSpPr>
+        <p:spPr>
+          <a:xfrm>
+            <a:off x="3129483" y="993912"/>
+            <a:ext cx="3531771" cy="677108"/>
+          </a:xfrm>
+          <a:prstGeom prst="rect">
+            <a:avLst/>
+          </a:prstGeom>
+          <a:noFill/>
+        </p:spPr>
+        <p:txBody>
+          <a:bodyPr wrap="square" rtlCol="0">
+            <a:spAutoFit/>
+          </a:bodyPr>
+          <a:lstStyle/>
+          <a:p>
+            <a:r>
+              <a:rPr lang="ko-KR" altLang="en-US" sz="2000" b="1" dirty="0" smtClean="0"/>
+              <a:t>경쟁사 </a:t>
+            </a:r>
+            <a:r>
+              <a:rPr lang="ko-KR" altLang="en-US" sz="2000" b="1" dirty="0" smtClean="0"/>
+              <a:t>디자인 분석</a:t>
+            </a:r>
+            <a:endParaRPr lang="en-US" altLang="ko-KR" sz="2000" b="1" dirty="0" smtClean="0"/>
+          </a:p>
+          <a:p>
+            <a:r>
+              <a:rPr lang="en-US" altLang="ko-KR" dirty="0"/>
+              <a:t>http://biophammer.co.kr/</a:t>
+            </a:r>
+            <a:endParaRPr lang="ko-KR" altLang="en-US" dirty="0"/>
+          </a:p>
+        </p:txBody>
+      </p:sp>
+      <p:sp>
+        <p:nvSpPr>
+          <p:cNvPr id="13" name="TextBox 12"/>
+          <p:cNvSpPr txBox="1"/>
+          <p:nvPr/>
+        </p:nvSpPr>
+        <p:spPr>
+          <a:xfrm>
+            <a:off x="3129483" y="1901859"/>
+            <a:ext cx="3132814" cy="369332"/>
+          </a:xfrm>
+          <a:prstGeom prst="rect">
+            <a:avLst/>
+          </a:prstGeom>
+          <a:noFill/>
+        </p:spPr>
+        <p:txBody>
+          <a:bodyPr wrap="square" rtlCol="0">
+            <a:spAutoFit/>
+          </a:bodyPr>
+          <a:lstStyle/>
+          <a:p>
+            <a:r>
+              <a:rPr lang="ko-KR" altLang="en-US" b="1" dirty="0" err="1" smtClean="0"/>
+              <a:t>바이오파머</a:t>
+            </a:r>
+            <a:endParaRPr lang="ko-KR" altLang="en-US" b="1" dirty="0"/>
+          </a:p>
+        </p:txBody>
+      </p:sp>
+      <p:sp>
+        <p:nvSpPr>
+          <p:cNvPr id="7" name="TextBox 6"/>
+          <p:cNvSpPr txBox="1"/>
+          <p:nvPr/>
+        </p:nvSpPr>
+        <p:spPr>
+          <a:xfrm>
+            <a:off x="4551343" y="296785"/>
+            <a:ext cx="5125065" cy="369332"/>
+          </a:xfrm>
+          <a:prstGeom prst="rect">
+            <a:avLst/>
+          </a:prstGeom>
+          <a:noFill/>
+        </p:spPr>
+        <p:txBody>
+          <a:bodyPr wrap="square" rtlCol="0">
+            <a:spAutoFit/>
+          </a:bodyPr>
+          <a:lstStyle/>
+          <a:p>
+            <a:pPr algn="ctr"/>
+            <a:r>
+              <a:rPr lang="ko-KR" altLang="en-US" i="1" dirty="0" smtClean="0">
+                <a:solidFill>
+                  <a:srgbClr val="FF0000"/>
+                </a:solidFill>
+              </a:rPr>
+              <a:t>팁</a:t>
+            </a:r>
+            <a:r>
+              <a:rPr lang="en-US" altLang="ko-KR" i="1" dirty="0" smtClean="0">
+                <a:solidFill>
+                  <a:srgbClr val="FF0000"/>
+                </a:solidFill>
+              </a:rPr>
+              <a:t>: </a:t>
+            </a:r>
+            <a:r>
+              <a:rPr lang="ko-KR" altLang="en-US" i="1" dirty="0" smtClean="0">
+                <a:solidFill>
+                  <a:srgbClr val="FF0000"/>
+                </a:solidFill>
+              </a:rPr>
+              <a:t>경쟁사는 최소 </a:t>
+            </a:r>
+            <a:r>
+              <a:rPr lang="en-US" altLang="ko-KR" i="1" dirty="0" smtClean="0">
+                <a:solidFill>
+                  <a:srgbClr val="FF0000"/>
+                </a:solidFill>
+              </a:rPr>
+              <a:t>2~3</a:t>
+            </a:r>
+            <a:r>
+              <a:rPr lang="ko-KR" altLang="en-US" i="1" dirty="0" smtClean="0">
+                <a:solidFill>
+                  <a:srgbClr val="FF0000"/>
+                </a:solidFill>
+              </a:rPr>
+              <a:t>개 조사</a:t>
+            </a:r>
+            <a:endParaRPr lang="ko-KR" altLang="en-US" i="1" dirty="0">
+              <a:solidFill>
+                <a:srgbClr val="FF0000"/>
+              </a:solidFill>
+            </a:endParaRPr>
+          </a:p>
+        </p:txBody>
+      </p:sp>
+      <p:sp>
+        <p:nvSpPr>
+          <p:cNvPr id="9" name="직사각형 8"/>
+          <p:cNvSpPr/>
+          <p:nvPr/>
+        </p:nvSpPr>
+        <p:spPr>
+          <a:xfrm>
+            <a:off x="3242534" y="2502030"/>
+            <a:ext cx="2995330" cy="3770702"/>
+          </a:xfrm>
+          <a:prstGeom prst="rect">
+            <a:avLst/>
+          </a:prstGeom>
+        </p:spPr>
+        <p:style>
+          <a:lnRef idx="2">
+            <a:schemeClr val="accent1">
+              <a:shade val="50000"/>
+            </a:schemeClr>
+          </a:lnRef>
+          <a:fillRef idx="1">
+            <a:schemeClr val="accent1"/>
+          </a:fillRef>
+          <a:effectRef idx="0">
+            <a:schemeClr val="accent1"/>
+          </a:effectRef>
+          <a:fontRef idx="minor">
+            <a:schemeClr val="lt1"/>
+          </a:fontRef>
+        </p:style>
+        <p:txBody>
+          <a:bodyPr rtlCol="0" anchor="ctr"/>
+          <a:lstStyle/>
+          <a:p>
+            <a:pPr algn="ctr"/>
+            <a:r>
+              <a:rPr lang="ko-KR" altLang="en-US" dirty="0" err="1" smtClean="0"/>
+              <a:t>스크린샷</a:t>
+            </a:r>
+            <a:endParaRPr lang="ko-KR" altLang="en-US" dirty="0"/>
+          </a:p>
+        </p:txBody>
+      </p:sp>
+      <p:sp>
+        <p:nvSpPr>
+          <p:cNvPr id="11" name="TextBox 10"/>
+          <p:cNvSpPr txBox="1"/>
+          <p:nvPr/>
+        </p:nvSpPr>
+        <p:spPr>
+          <a:xfrm>
+            <a:off x="6973764" y="2502030"/>
+            <a:ext cx="4537351" cy="3139321"/>
+          </a:xfrm>
+          <a:prstGeom prst="rect">
+            <a:avLst/>
+          </a:prstGeom>
+          <a:noFill/>
+        </p:spPr>
+        <p:txBody>
+          <a:bodyPr wrap="square" rtlCol="0">
+            <a:spAutoFit/>
+          </a:bodyPr>
+          <a:lstStyle/>
+          <a:p>
+            <a:pPr marL="285750" indent="-285750">
+              <a:buFont typeface="Arial" panose="020B0604020202020204" pitchFamily="34" charset="0"/>
+              <a:buChar char="•"/>
+            </a:pPr>
+            <a:r>
+              <a:rPr lang="ko-KR" altLang="en-US" dirty="0" smtClean="0"/>
+              <a:t>레이아웃</a:t>
+            </a:r>
+            <a:r>
+              <a:rPr lang="en-US" altLang="ko-KR" dirty="0" smtClean="0"/>
+              <a:t>/ </a:t>
+            </a:r>
+            <a:r>
+              <a:rPr lang="ko-KR" altLang="en-US" dirty="0" smtClean="0"/>
+              <a:t>콘텐츠 구성</a:t>
+            </a:r>
+            <a:endParaRPr lang="en-US" altLang="ko-KR" dirty="0" smtClean="0"/>
+          </a:p>
+          <a:p>
+            <a:pPr marL="285750" indent="-285750">
+              <a:buFont typeface="Arial" panose="020B0604020202020204" pitchFamily="34" charset="0"/>
+              <a:buChar char="•"/>
+            </a:pPr>
+            <a:r>
+              <a:rPr lang="ko-KR" altLang="en-US" dirty="0" smtClean="0"/>
+              <a:t>컬러</a:t>
+            </a:r>
+            <a:endParaRPr lang="en-US" altLang="ko-KR" dirty="0" smtClean="0"/>
+          </a:p>
+          <a:p>
+            <a:pPr marL="285750" indent="-285750">
+              <a:buFont typeface="Arial" panose="020B0604020202020204" pitchFamily="34" charset="0"/>
+              <a:buChar char="•"/>
+            </a:pPr>
+            <a:endParaRPr lang="en-US" altLang="ko-KR" dirty="0" smtClean="0"/>
+          </a:p>
+          <a:p>
+            <a:pPr marL="285750" indent="-285750">
+              <a:buFont typeface="Arial" panose="020B0604020202020204" pitchFamily="34" charset="0"/>
+              <a:buChar char="•"/>
+            </a:pPr>
+            <a:endParaRPr lang="en-US" altLang="ko-KR" dirty="0"/>
+          </a:p>
+          <a:p>
+            <a:pPr marL="285750" indent="-285750">
+              <a:buFont typeface="Arial" panose="020B0604020202020204" pitchFamily="34" charset="0"/>
+              <a:buChar char="•"/>
+            </a:pPr>
+            <a:endParaRPr lang="en-US" altLang="ko-KR" dirty="0" smtClean="0"/>
+          </a:p>
+          <a:p>
+            <a:pPr marL="285750" indent="-285750">
+              <a:buFont typeface="Arial" panose="020B0604020202020204" pitchFamily="34" charset="0"/>
+              <a:buChar char="•"/>
+            </a:pPr>
+            <a:r>
+              <a:rPr lang="ko-KR" altLang="en-US" dirty="0" smtClean="0"/>
+              <a:t>서체</a:t>
+            </a:r>
+            <a:endParaRPr lang="en-US" altLang="ko-KR" dirty="0" smtClean="0"/>
+          </a:p>
+          <a:p>
+            <a:pPr marL="285750" indent="-285750">
+              <a:buFont typeface="Arial" panose="020B0604020202020204" pitchFamily="34" charset="0"/>
+              <a:buChar char="•"/>
+            </a:pPr>
+            <a:endParaRPr lang="en-US" altLang="ko-KR" dirty="0" smtClean="0"/>
+          </a:p>
+          <a:p>
+            <a:pPr marL="285750" indent="-285750">
+              <a:buFont typeface="Arial" panose="020B0604020202020204" pitchFamily="34" charset="0"/>
+              <a:buChar char="•"/>
+            </a:pPr>
+            <a:r>
+              <a:rPr lang="ko-KR" altLang="en-US" dirty="0" err="1" smtClean="0"/>
+              <a:t>메인메뉴</a:t>
+            </a:r>
+            <a:r>
+              <a:rPr lang="ko-KR" altLang="en-US" dirty="0" smtClean="0"/>
+              <a:t> 구성</a:t>
+            </a:r>
+            <a:endParaRPr lang="en-US" altLang="ko-KR" dirty="0" smtClean="0"/>
+          </a:p>
+          <a:p>
+            <a:r>
+              <a:rPr lang="en-US" altLang="ko-KR" dirty="0" smtClean="0"/>
+              <a:t>8</a:t>
+            </a:r>
+            <a:r>
+              <a:rPr lang="ko-KR" altLang="en-US" dirty="0" smtClean="0"/>
+              <a:t>개의 메뉴로 구성되어 있고</a:t>
+            </a:r>
+            <a:r>
+              <a:rPr lang="en-US" altLang="ko-KR" dirty="0" smtClean="0"/>
+              <a:t>, </a:t>
+            </a:r>
+            <a:r>
+              <a:rPr lang="ko-KR" altLang="en-US" dirty="0" smtClean="0"/>
+              <a:t>메인 메뉴는 마우스가 올라가면 전체 메뉴가 보이도록 되어있음</a:t>
+            </a:r>
+            <a:endParaRPr lang="en-US" altLang="ko-KR" dirty="0" smtClean="0"/>
+          </a:p>
+        </p:txBody>
+      </p:sp>
+      <p:sp>
+        <p:nvSpPr>
+          <p:cNvPr id="18" name="직사각형 17"/>
+          <p:cNvSpPr/>
+          <p:nvPr/>
+        </p:nvSpPr>
+        <p:spPr>
+          <a:xfrm>
+            <a:off x="7868265" y="3185652"/>
+            <a:ext cx="457200" cy="457200"/>
+          </a:xfrm>
+          <a:prstGeom prst="rect">
+            <a:avLst/>
+          </a:prstGeom>
+        </p:spPr>
+        <p:style>
+          <a:lnRef idx="2">
+            <a:schemeClr val="accent2">
+              <a:shade val="50000"/>
+            </a:schemeClr>
+          </a:lnRef>
+          <a:fillRef idx="1">
+            <a:schemeClr val="accent2"/>
+          </a:fillRef>
+          <a:effectRef idx="0">
+            <a:schemeClr val="accent2"/>
+          </a:effectRef>
+          <a:fontRef idx="minor">
+            <a:schemeClr val="lt1"/>
+          </a:fontRef>
+        </p:style>
+        <p:txBody>
+          <a:bodyPr rtlCol="0" anchor="ctr"/>
+          <a:lstStyle/>
+          <a:p>
+            <a:pPr algn="ctr"/>
+            <a:endParaRPr lang="ko-KR" altLang="en-US"/>
+          </a:p>
+        </p:txBody>
+      </p:sp>
+      <p:sp>
+        <p:nvSpPr>
+          <p:cNvPr id="19" name="직사각형 18"/>
+          <p:cNvSpPr/>
+          <p:nvPr/>
+        </p:nvSpPr>
+        <p:spPr>
+          <a:xfrm>
+            <a:off x="8509823" y="3185652"/>
+            <a:ext cx="457200" cy="457200"/>
+          </a:xfrm>
+          <a:prstGeom prst="rect">
+            <a:avLst/>
+          </a:prstGeom>
+        </p:spPr>
+        <p:style>
+          <a:lnRef idx="2">
+            <a:schemeClr val="accent5">
+              <a:shade val="50000"/>
+            </a:schemeClr>
+          </a:lnRef>
+          <a:fillRef idx="1">
+            <a:schemeClr val="accent5"/>
+          </a:fillRef>
+          <a:effectRef idx="0">
+            <a:schemeClr val="accent5"/>
+          </a:effectRef>
+          <a:fontRef idx="minor">
+            <a:schemeClr val="lt1"/>
+          </a:fontRef>
+        </p:style>
+        <p:txBody>
+          <a:bodyPr rtlCol="0" anchor="ctr"/>
+          <a:lstStyle/>
+          <a:p>
+            <a:pPr algn="ctr"/>
+            <a:endParaRPr lang="ko-KR" altLang="en-US"/>
+          </a:p>
+        </p:txBody>
+      </p:sp>
+    </p:spTree>
+    <p:extLst>
+      <p:ext uri="{BB962C8B-B14F-4D97-AF65-F5344CB8AC3E}">
+        <p14:creationId xmlns:p14="http://schemas.microsoft.com/office/powerpoint/2010/main" val="4037589526"/>
+      </p:ext>
+    </p:extLst>
+  </p:cSld>
+  <p:clrMapOvr>
+    <a:masterClrMapping/>
+  </p:clrMapOvr>
+  <p:timing>
+    <p:tnLst>
+      <p:par>
+        <p:cTn id="1" dur="indefinite" restart="never" nodeType="tmRoot"/>
+      </p:par>
+    </p:tnLst>
+  </p:timing>
+</p:sld>
+</file>
+
+<file path=ppt/slides/slide8.xml><?xml version="1.0" encoding="utf-8"?>
+<p:sld xmlns:a="http://schemas.openxmlformats.org/drawingml/2006/main" xmlns:r="http://schemas.openxmlformats.org/officeDocument/2006/relationships" xmlns:p="http://schemas.openxmlformats.org/presentationml/2006/main">
+  <p:cSld>
+    <p:spTree>
+      <p:nvGrpSpPr>
+        <p:cNvPr id="1" name=""/>
+        <p:cNvGrpSpPr/>
+        <p:nvPr/>
+      </p:nvGrpSpPr>
+      <p:grpSpPr>
+        <a:xfrm>
+          <a:off x="0" y="0"/>
+          <a:ext cx="0" cy="0"/>
+          <a:chOff x="0" y="0"/>
+          <a:chExt cx="0" cy="0"/>
+        </a:xfrm>
+      </p:grpSpPr>
+      <p:sp>
+        <p:nvSpPr>
+          <p:cNvPr id="2" name="제목 1"/>
+          <p:cNvSpPr>
+            <a:spLocks noGrp="1"/>
+          </p:cNvSpPr>
+          <p:nvPr>
+            <p:ph type="title"/>
+          </p:nvPr>
+        </p:nvSpPr>
+        <p:spPr>
+          <a:xfrm>
+            <a:off x="148849" y="680483"/>
+            <a:ext cx="2360429" cy="935665"/>
+          </a:xfrm>
+          <a:ln>
+            <a:noFill/>
+          </a:ln>
+        </p:spPr>
+        <p:txBody>
+          <a:bodyPr>
+            <a:normAutofit/>
+          </a:bodyPr>
+          <a:lstStyle/>
+          <a:p>
+            <a:r>
+              <a:rPr lang="en-US" altLang="ko-KR" sz="2400" b="1" dirty="0" smtClean="0">
+                <a:solidFill>
+                  <a:schemeClr val="tx1">
+                    <a:lumMod val="75000"/>
+                    <a:lumOff val="25000"/>
+                  </a:schemeClr>
+                </a:solidFill>
+              </a:rPr>
+              <a:t>3.</a:t>
+            </a:r>
+            <a:r>
+              <a:rPr lang="ko-KR" altLang="en-US" sz="2400" b="1" dirty="0" smtClean="0"/>
+              <a:t> </a:t>
+            </a:r>
+            <a:r>
+              <a:rPr lang="ko-KR" altLang="en-US" sz="2400" b="1" dirty="0" err="1" smtClean="0"/>
+              <a:t>사이트맵</a:t>
+            </a:r>
+            <a:endParaRPr lang="en-US" altLang="ko-KR" sz="2400" b="1" dirty="0" smtClean="0"/>
+          </a:p>
+        </p:txBody>
+      </p:sp>
+      <p:sp>
+        <p:nvSpPr>
+          <p:cNvPr id="4" name="직사각형 3"/>
+          <p:cNvSpPr/>
+          <p:nvPr/>
+        </p:nvSpPr>
+        <p:spPr>
+          <a:xfrm>
+            <a:off x="411120" y="1616148"/>
+            <a:ext cx="2342707" cy="584775"/>
+          </a:xfrm>
+          <a:prstGeom prst="rect">
+            <a:avLst/>
+          </a:prstGeom>
+        </p:spPr>
+        <p:txBody>
+          <a:bodyPr wrap="square">
+            <a:spAutoFit/>
+          </a:bodyPr>
+          <a:lstStyle/>
+          <a:p>
+            <a:r>
+              <a:rPr lang="ko-KR" altLang="en-US" sz="1600" b="1" dirty="0" smtClean="0">
+                <a:solidFill>
+                  <a:schemeClr val="bg1">
+                    <a:lumMod val="50000"/>
+                  </a:schemeClr>
+                </a:solidFill>
+              </a:rPr>
+              <a:t>기존 </a:t>
+            </a:r>
+            <a:r>
+              <a:rPr lang="ko-KR" altLang="en-US" sz="1600" b="1" dirty="0" err="1" smtClean="0">
+                <a:solidFill>
+                  <a:schemeClr val="bg1">
+                    <a:lumMod val="50000"/>
+                  </a:schemeClr>
+                </a:solidFill>
+              </a:rPr>
+              <a:t>사이트맵</a:t>
+            </a:r>
+            <a:endParaRPr lang="en-US" altLang="ko-KR" sz="1600" b="1" dirty="0" smtClean="0"/>
+          </a:p>
+          <a:p>
+            <a:r>
+              <a:rPr lang="ko-KR" altLang="en-US" sz="1600" b="1" dirty="0" err="1" smtClean="0"/>
+              <a:t>리뉴얼</a:t>
+            </a:r>
+            <a:r>
+              <a:rPr lang="ko-KR" altLang="en-US" sz="1600" b="1" dirty="0" smtClean="0"/>
+              <a:t> </a:t>
+            </a:r>
+            <a:r>
+              <a:rPr lang="ko-KR" altLang="en-US" sz="1600" b="1" dirty="0" err="1" smtClean="0"/>
+              <a:t>사이트맵</a:t>
+            </a:r>
+            <a:endParaRPr lang="ko-KR" altLang="en-US" sz="1600" b="1" dirty="0"/>
+          </a:p>
+        </p:txBody>
+      </p:sp>
+      <p:cxnSp>
+        <p:nvCxnSpPr>
+          <p:cNvPr id="6" name="직선 연결선 5"/>
+          <p:cNvCxnSpPr/>
+          <p:nvPr/>
+        </p:nvCxnSpPr>
+        <p:spPr>
+          <a:xfrm>
+            <a:off x="2732571" y="212652"/>
+            <a:ext cx="0" cy="6368902"/>
+          </a:xfrm>
+          <a:prstGeom prst="line">
+            <a:avLst/>
+          </a:prstGeom>
+          <a:ln w="19050">
+            <a:solidFill>
+              <a:schemeClr val="tx1">
+                <a:lumMod val="50000"/>
+                <a:lumOff val="50000"/>
+              </a:schemeClr>
+            </a:solidFill>
+          </a:ln>
+        </p:spPr>
+        <p:style>
+          <a:lnRef idx="1">
+            <a:schemeClr val="dk1"/>
+          </a:lnRef>
+          <a:fillRef idx="0">
+            <a:schemeClr val="dk1"/>
+          </a:fillRef>
+          <a:effectRef idx="0">
+            <a:schemeClr val="dk1"/>
+          </a:effectRef>
+          <a:fontRef idx="minor">
+            <a:schemeClr val="tx1"/>
+          </a:fontRef>
+        </p:style>
+      </p:cxnSp>
+      <p:sp>
+        <p:nvSpPr>
+          <p:cNvPr id="10" name="TextBox 9"/>
+          <p:cNvSpPr txBox="1"/>
+          <p:nvPr/>
+        </p:nvSpPr>
+        <p:spPr>
+          <a:xfrm>
+            <a:off x="5054023" y="3197048"/>
+            <a:ext cx="3531771" cy="400110"/>
+          </a:xfrm>
+          <a:prstGeom prst="rect">
+            <a:avLst/>
+          </a:prstGeom>
+          <a:noFill/>
+        </p:spPr>
+        <p:txBody>
+          <a:bodyPr wrap="square" rtlCol="0">
+            <a:spAutoFit/>
+          </a:bodyPr>
+          <a:lstStyle/>
+          <a:p>
+            <a:pPr algn="ctr"/>
+            <a:r>
+              <a:rPr lang="ko-KR" altLang="en-US" sz="2000" b="1" smtClean="0"/>
+              <a:t>기존 </a:t>
+            </a:r>
+            <a:r>
+              <a:rPr lang="ko-KR" altLang="en-US" sz="2000" b="1" dirty="0" err="1" smtClean="0"/>
+              <a:t>사이트맵</a:t>
+            </a:r>
+            <a:endParaRPr lang="ko-KR" altLang="en-US" dirty="0"/>
+          </a:p>
+        </p:txBody>
+      </p:sp>
+      <p:sp>
+        <p:nvSpPr>
+          <p:cNvPr id="7" name="TextBox 6"/>
+          <p:cNvSpPr txBox="1"/>
+          <p:nvPr/>
+        </p:nvSpPr>
+        <p:spPr>
+          <a:xfrm>
+            <a:off x="4551343" y="296785"/>
+            <a:ext cx="5125065" cy="369332"/>
+          </a:xfrm>
+          <a:prstGeom prst="rect">
+            <a:avLst/>
+          </a:prstGeom>
+          <a:noFill/>
+        </p:spPr>
+        <p:txBody>
+          <a:bodyPr wrap="square" rtlCol="0">
+            <a:spAutoFit/>
+          </a:bodyPr>
+          <a:lstStyle/>
+          <a:p>
+            <a:pPr algn="ctr"/>
+            <a:r>
+              <a:rPr lang="ko-KR" altLang="en-US" i="1" dirty="0" smtClean="0">
+                <a:solidFill>
+                  <a:srgbClr val="FF0000"/>
+                </a:solidFill>
+              </a:rPr>
+              <a:t>팁</a:t>
+            </a:r>
+            <a:r>
+              <a:rPr lang="en-US" altLang="ko-KR" i="1" dirty="0" smtClean="0">
+                <a:solidFill>
+                  <a:srgbClr val="FF0000"/>
+                </a:solidFill>
+              </a:rPr>
+              <a:t>: </a:t>
+            </a:r>
+            <a:r>
+              <a:rPr lang="ko-KR" altLang="en-US" i="1" dirty="0" smtClean="0">
+                <a:solidFill>
+                  <a:srgbClr val="FF0000"/>
+                </a:solidFill>
+              </a:rPr>
+              <a:t>개선된 </a:t>
+            </a:r>
+            <a:r>
+              <a:rPr lang="ko-KR" altLang="en-US" i="1" dirty="0" err="1" smtClean="0">
+                <a:solidFill>
+                  <a:srgbClr val="FF0000"/>
+                </a:solidFill>
+              </a:rPr>
+              <a:t>사이트맵을</a:t>
+            </a:r>
+            <a:r>
+              <a:rPr lang="ko-KR" altLang="en-US" i="1" dirty="0" smtClean="0">
+                <a:solidFill>
+                  <a:srgbClr val="FF0000"/>
+                </a:solidFill>
+              </a:rPr>
+              <a:t> 제시</a:t>
+            </a:r>
+            <a:endParaRPr lang="ko-KR" altLang="en-US" i="1" dirty="0">
+              <a:solidFill>
+                <a:srgbClr val="FF0000"/>
+              </a:solidFill>
+            </a:endParaRPr>
+          </a:p>
+        </p:txBody>
+      </p:sp>
+    </p:spTree>
+    <p:extLst>
+      <p:ext uri="{BB962C8B-B14F-4D97-AF65-F5344CB8AC3E}">
+        <p14:creationId xmlns:p14="http://schemas.microsoft.com/office/powerpoint/2010/main" val="539776380"/>
+      </p:ext>
+    </p:extLst>
+  </p:cSld>
+  <p:clrMapOvr>
+    <a:masterClrMapping/>
+  </p:clrMapOvr>
+  <p:timing>
+    <p:tnLst>
+      <p:par>
+        <p:cTn id="1" dur="indefinite" restart="never" nodeType="tmRoot"/>
+      </p:par>
+    </p:tnLst>
+  </p:timing>
+</p:sld>
+</file>
+
+<file path=ppt/slides/slide9.xml><?xml version="1.0" encoding="utf-8"?>
+<p:sld xmlns:a="http://schemas.openxmlformats.org/drawingml/2006/main" xmlns:r="http://schemas.openxmlformats.org/officeDocument/2006/relationships" xmlns:p="http://schemas.openxmlformats.org/presentationml/2006/main">
+  <p:cSld>
+    <p:spTree>
+      <p:nvGrpSpPr>
+        <p:cNvPr id="1" name=""/>
+        <p:cNvGrpSpPr/>
+        <p:nvPr/>
+      </p:nvGrpSpPr>
+      <p:grpSpPr>
+        <a:xfrm>
+          <a:off x="0" y="0"/>
+          <a:ext cx="0" cy="0"/>
+          <a:chOff x="0" y="0"/>
+          <a:chExt cx="0" cy="0"/>
+        </a:xfrm>
+      </p:grpSpPr>
+      <p:sp>
+        <p:nvSpPr>
+          <p:cNvPr id="2" name="제목 1"/>
+          <p:cNvSpPr>
+            <a:spLocks noGrp="1"/>
+          </p:cNvSpPr>
+          <p:nvPr>
+            <p:ph type="title"/>
+          </p:nvPr>
+        </p:nvSpPr>
+        <p:spPr>
+          <a:xfrm>
+            <a:off x="148849" y="680483"/>
+            <a:ext cx="2360429" cy="935665"/>
+          </a:xfrm>
+          <a:ln>
+            <a:noFill/>
+          </a:ln>
+        </p:spPr>
+        <p:txBody>
+          <a:bodyPr>
+            <a:normAutofit/>
+          </a:bodyPr>
+          <a:lstStyle/>
+          <a:p>
+            <a:r>
+              <a:rPr lang="en-US" altLang="ko-KR" sz="2400" b="1" dirty="0" smtClean="0">
+                <a:solidFill>
+                  <a:schemeClr val="tx1">
+                    <a:lumMod val="75000"/>
+                    <a:lumOff val="25000"/>
+                  </a:schemeClr>
+                </a:solidFill>
+              </a:rPr>
+              <a:t>3.</a:t>
+            </a:r>
+            <a:r>
+              <a:rPr lang="ko-KR" altLang="en-US" sz="2400" b="1" dirty="0" smtClean="0"/>
+              <a:t> </a:t>
+            </a:r>
+            <a:r>
+              <a:rPr lang="ko-KR" altLang="en-US" sz="2400" b="1" dirty="0" err="1" smtClean="0"/>
+              <a:t>사이트맵</a:t>
+            </a:r>
+            <a:endParaRPr lang="en-US" altLang="ko-KR" sz="2400" b="1" dirty="0" smtClean="0"/>
+          </a:p>
+        </p:txBody>
+      </p:sp>
+      <p:sp>
+        <p:nvSpPr>
+          <p:cNvPr id="4" name="직사각형 3"/>
+          <p:cNvSpPr/>
+          <p:nvPr/>
+        </p:nvSpPr>
+        <p:spPr>
+          <a:xfrm>
+            <a:off x="411120" y="1616148"/>
+            <a:ext cx="2342707" cy="584775"/>
+          </a:xfrm>
+          <a:prstGeom prst="rect">
+            <a:avLst/>
+          </a:prstGeom>
+        </p:spPr>
+        <p:txBody>
+          <a:bodyPr wrap="square">
+            <a:spAutoFit/>
+          </a:bodyPr>
+          <a:lstStyle/>
+          <a:p>
+            <a:r>
+              <a:rPr lang="ko-KR" altLang="en-US" sz="1600" b="1" dirty="0" smtClean="0">
+                <a:solidFill>
+                  <a:schemeClr val="bg1">
+                    <a:lumMod val="50000"/>
+                  </a:schemeClr>
+                </a:solidFill>
+              </a:rPr>
+              <a:t>기존 </a:t>
+            </a:r>
+            <a:r>
+              <a:rPr lang="ko-KR" altLang="en-US" sz="1600" b="1" dirty="0" err="1" smtClean="0">
+                <a:solidFill>
+                  <a:schemeClr val="bg1">
+                    <a:lumMod val="50000"/>
+                  </a:schemeClr>
+                </a:solidFill>
+              </a:rPr>
+              <a:t>사이트맵</a:t>
+            </a:r>
+            <a:endParaRPr lang="en-US" altLang="ko-KR" sz="1600" b="1" dirty="0" smtClean="0">
+              <a:solidFill>
+                <a:schemeClr val="bg1">
+                  <a:lumMod val="50000"/>
+                </a:schemeClr>
+              </a:solidFill>
+            </a:endParaRPr>
+          </a:p>
+          <a:p>
+            <a:r>
+              <a:rPr lang="ko-KR" altLang="en-US" sz="1600" b="1" dirty="0" err="1" smtClean="0">
+                <a:solidFill>
+                  <a:schemeClr val="tx1">
+                    <a:lumMod val="95000"/>
+                    <a:lumOff val="5000"/>
+                  </a:schemeClr>
+                </a:solidFill>
+              </a:rPr>
+              <a:t>리뉴얼</a:t>
+            </a:r>
+            <a:r>
+              <a:rPr lang="ko-KR" altLang="en-US" sz="1600" b="1" dirty="0" smtClean="0">
+                <a:solidFill>
+                  <a:schemeClr val="tx1">
+                    <a:lumMod val="95000"/>
+                    <a:lumOff val="5000"/>
+                  </a:schemeClr>
+                </a:solidFill>
+              </a:rPr>
+              <a:t> </a:t>
+            </a:r>
+            <a:r>
+              <a:rPr lang="ko-KR" altLang="en-US" sz="1600" b="1" dirty="0" err="1" smtClean="0">
+                <a:solidFill>
+                  <a:schemeClr val="tx1">
+                    <a:lumMod val="95000"/>
+                    <a:lumOff val="5000"/>
+                  </a:schemeClr>
+                </a:solidFill>
+              </a:rPr>
+              <a:t>사이트맵</a:t>
+            </a:r>
+            <a:endParaRPr lang="ko-KR" altLang="en-US" sz="1600" b="1" dirty="0">
+              <a:solidFill>
+                <a:schemeClr val="tx1">
+                  <a:lumMod val="95000"/>
+                  <a:lumOff val="5000"/>
+                </a:schemeClr>
+              </a:solidFill>
+            </a:endParaRPr>
+          </a:p>
+        </p:txBody>
+      </p:sp>
+      <p:cxnSp>
+        <p:nvCxnSpPr>
+          <p:cNvPr id="6" name="직선 연결선 5"/>
+          <p:cNvCxnSpPr/>
+          <p:nvPr/>
+        </p:nvCxnSpPr>
+        <p:spPr>
+          <a:xfrm>
+            <a:off x="2732571" y="212652"/>
+            <a:ext cx="0" cy="6368902"/>
+          </a:xfrm>
+          <a:prstGeom prst="line">
+            <a:avLst/>
+          </a:prstGeom>
+          <a:ln w="19050">
+            <a:solidFill>
+              <a:schemeClr val="tx1">
+                <a:lumMod val="50000"/>
+                <a:lumOff val="50000"/>
+              </a:schemeClr>
+            </a:solidFill>
+          </a:ln>
+        </p:spPr>
+        <p:style>
+          <a:lnRef idx="1">
+            <a:schemeClr val="dk1"/>
+          </a:lnRef>
+          <a:fillRef idx="0">
+            <a:schemeClr val="dk1"/>
+          </a:fillRef>
+          <a:effectRef idx="0">
+            <a:schemeClr val="dk1"/>
+          </a:effectRef>
+          <a:fontRef idx="minor">
+            <a:schemeClr val="tx1"/>
+          </a:fontRef>
+        </p:style>
+      </p:cxnSp>
+      <p:sp>
+        <p:nvSpPr>
+          <p:cNvPr id="10" name="TextBox 9"/>
+          <p:cNvSpPr txBox="1"/>
+          <p:nvPr/>
+        </p:nvSpPr>
+        <p:spPr>
+          <a:xfrm>
+            <a:off x="5054023" y="2996993"/>
+            <a:ext cx="3531771" cy="400110"/>
+          </a:xfrm>
+          <a:prstGeom prst="rect">
+            <a:avLst/>
+          </a:prstGeom>
+          <a:noFill/>
+        </p:spPr>
+        <p:txBody>
+          <a:bodyPr wrap="square" rtlCol="0">
+            <a:spAutoFit/>
+          </a:bodyPr>
+          <a:lstStyle/>
+          <a:p>
+            <a:pPr algn="ctr"/>
+            <a:r>
+              <a:rPr lang="ko-KR" altLang="en-US" sz="2000" b="1" dirty="0" err="1" smtClean="0"/>
+              <a:t>리뉴얼</a:t>
+            </a:r>
+            <a:r>
+              <a:rPr lang="ko-KR" altLang="en-US" sz="2000" b="1" dirty="0" smtClean="0"/>
+              <a:t> </a:t>
+            </a:r>
+            <a:r>
+              <a:rPr lang="ko-KR" altLang="en-US" sz="2000" b="1" dirty="0" err="1" smtClean="0"/>
+              <a:t>사이트맵</a:t>
+            </a:r>
+            <a:endParaRPr lang="ko-KR" altLang="en-US" dirty="0"/>
+          </a:p>
+        </p:txBody>
+      </p:sp>
+      <p:sp>
+        <p:nvSpPr>
+          <p:cNvPr id="7" name="TextBox 6"/>
+          <p:cNvSpPr txBox="1"/>
+          <p:nvPr/>
+        </p:nvSpPr>
+        <p:spPr>
+          <a:xfrm>
+            <a:off x="4551343" y="296785"/>
+            <a:ext cx="5125065" cy="369332"/>
+          </a:xfrm>
+          <a:prstGeom prst="rect">
+            <a:avLst/>
+          </a:prstGeom>
+          <a:noFill/>
+        </p:spPr>
+        <p:txBody>
+          <a:bodyPr wrap="square" rtlCol="0">
+            <a:spAutoFit/>
+          </a:bodyPr>
+          <a:lstStyle/>
+          <a:p>
+            <a:pPr algn="ctr"/>
+            <a:r>
+              <a:rPr lang="ko-KR" altLang="en-US" i="1" dirty="0" smtClean="0">
+                <a:solidFill>
+                  <a:srgbClr val="FF0000"/>
+                </a:solidFill>
+              </a:rPr>
+              <a:t>팁</a:t>
+            </a:r>
+            <a:r>
+              <a:rPr lang="en-US" altLang="ko-KR" i="1" dirty="0" smtClean="0">
+                <a:solidFill>
+                  <a:srgbClr val="FF0000"/>
+                </a:solidFill>
+              </a:rPr>
+              <a:t>: </a:t>
+            </a:r>
+            <a:r>
+              <a:rPr lang="ko-KR" altLang="en-US" i="1" dirty="0" smtClean="0">
+                <a:solidFill>
+                  <a:srgbClr val="FF0000"/>
+                </a:solidFill>
+              </a:rPr>
+              <a:t>개선된 </a:t>
+            </a:r>
+            <a:r>
+              <a:rPr lang="ko-KR" altLang="en-US" i="1" dirty="0" err="1" smtClean="0">
+                <a:solidFill>
+                  <a:srgbClr val="FF0000"/>
+                </a:solidFill>
+              </a:rPr>
+              <a:t>사이트맵을</a:t>
+            </a:r>
+            <a:r>
+              <a:rPr lang="ko-KR" altLang="en-US" i="1" dirty="0" smtClean="0">
+                <a:solidFill>
+                  <a:srgbClr val="FF0000"/>
+                </a:solidFill>
+              </a:rPr>
+              <a:t> 제시</a:t>
+            </a:r>
+            <a:endParaRPr lang="ko-KR" altLang="en-US" i="1" dirty="0">
+              <a:solidFill>
+                <a:srgbClr val="FF0000"/>
+              </a:solidFill>
+            </a:endParaRPr>
+          </a:p>
+        </p:txBody>
+      </p:sp>
+    </p:spTree>
+    <p:extLst>
+      <p:ext uri="{BB962C8B-B14F-4D97-AF65-F5344CB8AC3E}">
+        <p14:creationId xmlns:p14="http://schemas.microsoft.com/office/powerpoint/2010/main" val="1716046696"/>
       </p:ext>
     </p:extLst>
   </p:cSld>
